--- a/templates/each.pptx
+++ b/templates/each.pptx
@@ -104,6 +104,11 @@
       </a:defRPr>
     </a:lvl9pPr>
   </p:defaultTextStyle>
+  <p:extLst>
+    <p:ext uri="{EFAFB233-063F-42B5-8137-9DF3F51BA10A}">
+      <p15:sldGuideLst xmlns:p15="http://schemas.microsoft.com/office/powerpoint/2012/main"/>
+    </p:ext>
+  </p:extLst>
 </p:presentation>
 </file>
 
@@ -254,7 +259,7 @@
           <a:p>
             <a:fld id="{CF38FE7D-FF79-0849-B092-EB0D08A0997B}" type="datetimeFigureOut">
               <a:rPr lang="fr-FR" smtClean="0"/>
-              <a:t>21/10/2022</a:t>
+              <a:t>22/10/2022</a:t>
             </a:fld>
             <a:endParaRPr lang="fr-FR"/>
           </a:p>
@@ -452,7 +457,7 @@
           <a:p>
             <a:fld id="{CF38FE7D-FF79-0849-B092-EB0D08A0997B}" type="datetimeFigureOut">
               <a:rPr lang="fr-FR" smtClean="0"/>
-              <a:t>21/10/2022</a:t>
+              <a:t>22/10/2022</a:t>
             </a:fld>
             <a:endParaRPr lang="fr-FR"/>
           </a:p>
@@ -660,7 +665,7 @@
           <a:p>
             <a:fld id="{CF38FE7D-FF79-0849-B092-EB0D08A0997B}" type="datetimeFigureOut">
               <a:rPr lang="fr-FR" smtClean="0"/>
-              <a:t>21/10/2022</a:t>
+              <a:t>22/10/2022</a:t>
             </a:fld>
             <a:endParaRPr lang="fr-FR"/>
           </a:p>
@@ -858,7 +863,7 @@
           <a:p>
             <a:fld id="{CF38FE7D-FF79-0849-B092-EB0D08A0997B}" type="datetimeFigureOut">
               <a:rPr lang="fr-FR" smtClean="0"/>
-              <a:t>21/10/2022</a:t>
+              <a:t>22/10/2022</a:t>
             </a:fld>
             <a:endParaRPr lang="fr-FR"/>
           </a:p>
@@ -1133,7 +1138,7 @@
           <a:p>
             <a:fld id="{CF38FE7D-FF79-0849-B092-EB0D08A0997B}" type="datetimeFigureOut">
               <a:rPr lang="fr-FR" smtClean="0"/>
-              <a:t>21/10/2022</a:t>
+              <a:t>22/10/2022</a:t>
             </a:fld>
             <a:endParaRPr lang="fr-FR"/>
           </a:p>
@@ -1398,7 +1403,7 @@
           <a:p>
             <a:fld id="{CF38FE7D-FF79-0849-B092-EB0D08A0997B}" type="datetimeFigureOut">
               <a:rPr lang="fr-FR" smtClean="0"/>
-              <a:t>21/10/2022</a:t>
+              <a:t>22/10/2022</a:t>
             </a:fld>
             <a:endParaRPr lang="fr-FR"/>
           </a:p>
@@ -1810,7 +1815,7 @@
           <a:p>
             <a:fld id="{CF38FE7D-FF79-0849-B092-EB0D08A0997B}" type="datetimeFigureOut">
               <a:rPr lang="fr-FR" smtClean="0"/>
-              <a:t>21/10/2022</a:t>
+              <a:t>22/10/2022</a:t>
             </a:fld>
             <a:endParaRPr lang="fr-FR"/>
           </a:p>
@@ -1951,7 +1956,7 @@
           <a:p>
             <a:fld id="{CF38FE7D-FF79-0849-B092-EB0D08A0997B}" type="datetimeFigureOut">
               <a:rPr lang="fr-FR" smtClean="0"/>
-              <a:t>21/10/2022</a:t>
+              <a:t>22/10/2022</a:t>
             </a:fld>
             <a:endParaRPr lang="fr-FR"/>
           </a:p>
@@ -2064,7 +2069,7 @@
           <a:p>
             <a:fld id="{CF38FE7D-FF79-0849-B092-EB0D08A0997B}" type="datetimeFigureOut">
               <a:rPr lang="fr-FR" smtClean="0"/>
-              <a:t>21/10/2022</a:t>
+              <a:t>22/10/2022</a:t>
             </a:fld>
             <a:endParaRPr lang="fr-FR"/>
           </a:p>
@@ -2375,7 +2380,7 @@
           <a:p>
             <a:fld id="{CF38FE7D-FF79-0849-B092-EB0D08A0997B}" type="datetimeFigureOut">
               <a:rPr lang="fr-FR" smtClean="0"/>
-              <a:t>21/10/2022</a:t>
+              <a:t>22/10/2022</a:t>
             </a:fld>
             <a:endParaRPr lang="fr-FR"/>
           </a:p>
@@ -2663,7 +2668,7 @@
           <a:p>
             <a:fld id="{CF38FE7D-FF79-0849-B092-EB0D08A0997B}" type="datetimeFigureOut">
               <a:rPr lang="fr-FR" smtClean="0"/>
-              <a:t>21/10/2022</a:t>
+              <a:t>22/10/2022</a:t>
             </a:fld>
             <a:endParaRPr lang="fr-FR"/>
           </a:p>
@@ -2904,7 +2909,7 @@
           <a:p>
             <a:fld id="{CF38FE7D-FF79-0849-B092-EB0D08A0997B}" type="datetimeFigureOut">
               <a:rPr lang="fr-FR" smtClean="0"/>
-              <a:t>21/10/2022</a:t>
+              <a:t>22/10/2022</a:t>
             </a:fld>
             <a:endParaRPr lang="fr-FR"/>
           </a:p>
@@ -3323,6 +3328,38 @@
       </p:grpSpPr>
       <p:sp>
         <p:nvSpPr>
+          <p:cNvPr id="2" name="Titre 1">
+            <a:extLst>
+              <a:ext uri="{FF2B5EF4-FFF2-40B4-BE49-F238E27FC236}">
+                <a16:creationId xmlns:a16="http://schemas.microsoft.com/office/drawing/2014/main" id="{56E2B14E-2D2A-0937-9CEC-63A4361DE6E3}"/>
+              </a:ext>
+            </a:extLst>
+          </p:cNvPr>
+          <p:cNvSpPr>
+            <a:spLocks noGrp="1"/>
+          </p:cNvSpPr>
+          <p:nvPr>
+            <p:ph type="title"/>
+          </p:nvPr>
+        </p:nvSpPr>
+        <p:spPr/>
+        <p:txBody>
+          <a:bodyPr/>
+          <a:lstStyle/>
+          <a:p>
+            <a:r>
+              <a:rPr lang="fr-FR" dirty="0" err="1"/>
+              <a:t>Each</a:t>
+            </a:r>
+            <a:r>
+              <a:rPr lang="fr-FR"/>
+              <a:t> test</a:t>
+            </a:r>
+          </a:p>
+        </p:txBody>
+      </p:sp>
+      <p:sp>
+        <p:nvSpPr>
           <p:cNvPr id="3" name="Espace réservé du contenu 2">
             <a:extLst>
               <a:ext uri="{FF2B5EF4-FFF2-40B4-BE49-F238E27FC236}">
